--- a/Project_3.pptx
+++ b/Project_3.pptx
@@ -110,6 +110,11 @@
       </a:defRPr>
     </a:lvl9pPr>
   </p:defaultTextStyle>
+  <p:extLst>
+    <p:ext uri="{EFAFB233-063F-42B5-8137-9DF3F51BA10A}">
+      <p15:sldGuideLst xmlns:p15="http://schemas.microsoft.com/office/powerpoint/2012/main"/>
+    </p:ext>
+  </p:extLst>
 </p:presentation>
 </file>
 
@@ -307,7 +312,7 @@
           <a:p>
             <a:fld id="{91F9259A-1FE3-4FF9-8A07-BDD8177164ED}" type="datetime4">
               <a:rPr lang="en-US" smtClean="0"/>
-              <a:t>March 4, 2021</a:t>
+              <a:t>March 5, 2021</a:t>
             </a:fld>
             <a:endParaRPr lang="en-US"/>
           </a:p>
@@ -482,7 +487,7 @@
           <a:p>
             <a:fld id="{E5CC3C8F-D4A7-4EAD-92AD-82C91CB8BB85}" type="datetime4">
               <a:rPr lang="en-US" smtClean="0"/>
-              <a:t>March 4, 2021</a:t>
+              <a:t>March 5, 2021</a:t>
             </a:fld>
             <a:endParaRPr lang="en-US"/>
           </a:p>
@@ -719,7 +724,7 @@
           <a:p>
             <a:fld id="{BC011D41-E33C-4BC7-8272-37E8417FD097}" type="datetime4">
               <a:rPr lang="en-US" smtClean="0"/>
-              <a:t>March 4, 2021</a:t>
+              <a:t>March 5, 2021</a:t>
             </a:fld>
             <a:endParaRPr lang="en-US"/>
           </a:p>
@@ -924,7 +929,7 @@
           <a:p>
             <a:fld id="{5D340FED-6E95-4177-A7EF-CD303B9E611D}" type="datetime4">
               <a:rPr lang="en-US" smtClean="0"/>
-              <a:t>March 4, 2021</a:t>
+              <a:t>March 5, 2021</a:t>
             </a:fld>
             <a:endParaRPr lang="en-US"/>
           </a:p>
@@ -1214,7 +1219,7 @@
           <a:p>
             <a:fld id="{477962CB-39AD-45A9-800F-54DAB53D6021}" type="datetime4">
               <a:rPr lang="en-US" smtClean="0"/>
-              <a:t>March 4, 2021</a:t>
+              <a:t>March 5, 2021</a:t>
             </a:fld>
             <a:endParaRPr lang="en-US"/>
           </a:p>
@@ -1498,7 +1503,7 @@
           <a:p>
             <a:fld id="{2DEDF93D-55AB-4606-B9D7-742F1FC51983}" type="datetime4">
               <a:rPr lang="en-US" smtClean="0"/>
-              <a:t>March 4, 2021</a:t>
+              <a:t>March 5, 2021</a:t>
             </a:fld>
             <a:endParaRPr lang="en-US" dirty="0"/>
           </a:p>
@@ -1915,7 +1920,7 @@
           <a:p>
             <a:fld id="{DDF2841D-FB5C-47AB-B2FF-32E855C1EA71}" type="datetime4">
               <a:rPr lang="en-US" smtClean="0"/>
-              <a:t>March 4, 2021</a:t>
+              <a:t>March 5, 2021</a:t>
             </a:fld>
             <a:endParaRPr lang="en-US"/>
           </a:p>
@@ -2056,7 +2061,7 @@
           <a:p>
             <a:fld id="{118537E9-D174-424D-BEE8-AFC4CA5F9F97}" type="datetime4">
               <a:rPr lang="en-US" smtClean="0"/>
-              <a:t>March 4, 2021</a:t>
+              <a:t>March 5, 2021</a:t>
             </a:fld>
             <a:endParaRPr lang="en-US"/>
           </a:p>
@@ -2197,7 +2202,7 @@
           <a:p>
             <a:fld id="{1C7A44C0-F7AC-49C2-8289-1E7A86D9FB50}" type="datetime4">
               <a:rPr lang="en-US" smtClean="0"/>
-              <a:t>March 4, 2021</a:t>
+              <a:t>March 5, 2021</a:t>
             </a:fld>
             <a:endParaRPr lang="en-US"/>
           </a:p>
@@ -2512,7 +2517,7 @@
           <a:p>
             <a:fld id="{73BB84BC-6E78-40D1-8831-40AB1F596614}" type="datetime4">
               <a:rPr lang="en-US" smtClean="0"/>
-              <a:t>March 4, 2021</a:t>
+              <a:t>March 5, 2021</a:t>
             </a:fld>
             <a:endParaRPr lang="en-US"/>
           </a:p>
@@ -2805,7 +2810,7 @@
           <a:p>
             <a:fld id="{ADFA080F-3961-4D42-BEDE-84A1FED032F1}" type="datetime4">
               <a:rPr lang="en-US" smtClean="0"/>
-              <a:t>March 4, 2021</a:t>
+              <a:t>March 5, 2021</a:t>
             </a:fld>
             <a:endParaRPr lang="en-US"/>
           </a:p>
@@ -3087,7 +3092,7 @@
             <a:fld id="{A33960BD-7AC1-4217-9611-AAA56D3EE38F}" type="datetime4">
               <a:rPr lang="en-US" smtClean="0"/>
               <a:pPr/>
-              <a:t>March 4, 2021</a:t>
+              <a:t>March 5, 2021</a:t>
             </a:fld>
             <a:endParaRPr lang="en-US" dirty="0">
               <a:latin typeface="+mn-lt"/>
@@ -3194,8 +3199,8 @@
           </a:p>
         </p:txBody>
       </p:sp>
-      <mc:AlternateContent xmlns:mc="http://schemas.openxmlformats.org/markup-compatibility/2006">
-        <mc:Choice xmlns:p14="http://schemas.microsoft.com/office/powerpoint/2010/main" Requires="p14">
+      <mc:AlternateContent xmlns:mc="http://schemas.openxmlformats.org/markup-compatibility/2006" xmlns:p14="http://schemas.microsoft.com/office/powerpoint/2010/main">
+        <mc:Choice Requires="p14">
           <p:contentPart p14:bwMode="auto" r:id="rId14">
             <p14:nvContentPartPr>
               <p14:cNvPr id="18" name="Ink 17">
@@ -3214,7 +3219,7 @@
             </p14:xfrm>
           </p:contentPart>
         </mc:Choice>
-        <mc:Fallback>
+        <mc:Fallback xmlns="">
           <p:pic>
             <p:nvPicPr>
               <p:cNvPr id="18" name="Ink 17">
@@ -5501,7 +5506,10 @@
           <a:lstStyle/>
           <a:p>
             <a:pPr algn="l"/>
-            <a:endParaRPr lang="en-US" sz="1800"/>
+            <a:r>
+              <a:rPr lang="en-US" sz="1800" dirty="0"/>
+              <a:t>LEAPS AND BOUNDS</a:t>
+            </a:r>
           </a:p>
         </p:txBody>
       </p:sp>
@@ -5601,14 +5609,31 @@
           <a:p>
             <a:r>
               <a:rPr lang="en-US" dirty="0"/>
-              <a:t>LEAPS are long-dated securities options that expire one to three years in the future. </a:t>
+              <a:t>LEAPS are long-dated securities options that expire one to three years in the future: they offer the leverage of options contracts, yet since they are longer-dated and therefore less volatile, can be traded/held in positions much like an option’s underlying security.</a:t>
             </a:r>
           </a:p>
           <a:p>
             <a:r>
               <a:rPr lang="en-US" dirty="0"/>
-              <a:t>B</a:t>
-            </a:r>
+              <a:t>The goal of our project examine a number of different outcomes and strategies surrounding the trading of LEAPS, utilizing various data points –from both the options themselves as well as the </a:t>
+            </a:r>
+            <a:r>
+              <a:rPr lang="en-US" dirty="0" err="1"/>
+              <a:t>underlyings</a:t>
+            </a:r>
+            <a:r>
+              <a:rPr lang="en-US" dirty="0"/>
+              <a:t>, as well as technical indicators to see what strategies might be best actionable.</a:t>
+            </a:r>
+          </a:p>
+          <a:p>
+            <a:pPr marL="0" indent="0">
+              <a:buNone/>
+            </a:pPr>
+            <a:endParaRPr lang="en-US" dirty="0"/>
+          </a:p>
+          <a:p>
+            <a:endParaRPr lang="en-US" dirty="0"/>
           </a:p>
         </p:txBody>
       </p:sp>
@@ -5693,7 +5718,7 @@
           <a:p>
             <a:r>
               <a:rPr lang="en-US" dirty="0"/>
-              <a:t>Option data available for 4500 different symbols organized by day</a:t>
+              <a:t>Option data available for 4500 different symbols organized by day!</a:t>
             </a:r>
           </a:p>
           <a:p>
@@ -5789,15 +5814,29 @@
             </a:r>
           </a:p>
           <a:p>
-            <a:endParaRPr lang="en-US" dirty="0"/>
-          </a:p>
-          <a:p>
-            <a:endParaRPr lang="en-US" dirty="0"/>
-          </a:p>
-          <a:p>
             <a:r>
               <a:rPr lang="en-US" dirty="0"/>
-              <a:t>Models</a:t>
+              <a:t>As mentioned in the opening slide: we aimed both use and construct a number of different strategies:</a:t>
+            </a:r>
+          </a:p>
+          <a:p>
+            <a:r>
+              <a:rPr lang="en-US" dirty="0"/>
+              <a:t>We constructed a number of buying strategies by utilizing technical indicators such as Bollinger Bands,  Volume –from both the underlying as well as the options, and Put/Call ratios.</a:t>
+            </a:r>
+          </a:p>
+          <a:p>
+            <a:r>
+              <a:rPr lang="en-US" dirty="0"/>
+              <a:t>We also aimed to combine LSTM and Random Forest models –in essence, themselves, technical indicators, to be used in conjunction with the price action </a:t>
+            </a:r>
+            <a:r>
+              <a:rPr lang="en-US" dirty="0" err="1"/>
+              <a:t>technicals</a:t>
+            </a:r>
+            <a:r>
+              <a:rPr lang="en-US" dirty="0"/>
+              <a:t> mentioned above.</a:t>
             </a:r>
           </a:p>
         </p:txBody>
@@ -5883,7 +5922,7 @@
           <a:p>
             <a:r>
               <a:rPr lang="en-US" dirty="0"/>
-              <a:t>It Pays to Pay for Big Data</a:t>
+              <a:t>It Pays to Pay for Big Data!</a:t>
             </a:r>
           </a:p>
           <a:p>
@@ -5990,8 +6029,26 @@
           <a:p>
             <a:r>
               <a:rPr lang="en-US" dirty="0"/>
-              <a:t>With more time, the goal would be to do more to fine-tune to calibrate variables, as well as think through the scenarios that detect the best fit for each strategy.</a:t>
-            </a:r>
+              <a:t>With more time, the goal would be to do more to fine-tune to calibrate variables, as well as think through the scenarios that detect the best fit for each strategy. </a:t>
+            </a:r>
+          </a:p>
+          <a:p>
+            <a:r>
+              <a:rPr lang="en-US" dirty="0"/>
+              <a:t>Due to the scale data used, along the way, we encountered a number of obstacles with regard to massaging the data.</a:t>
+            </a:r>
+          </a:p>
+          <a:p>
+            <a:r>
+              <a:rPr lang="en-US" dirty="0"/>
+              <a:t>As well, we faced a number of challenging issues involving the code –also do to the breadth.</a:t>
+            </a:r>
+          </a:p>
+          <a:p>
+            <a:pPr marL="0" indent="0">
+              <a:buNone/>
+            </a:pPr>
+            <a:endParaRPr lang="en-US" dirty="0"/>
           </a:p>
         </p:txBody>
       </p:sp>
@@ -6082,15 +6139,7 @@
           <a:p>
             <a:r>
               <a:rPr lang="en-US" dirty="0"/>
-              <a:t>And therefore, </a:t>
-            </a:r>
-            <a:r>
-              <a:rPr lang="en-US"/>
-              <a:t>make money</a:t>
-            </a:r>
-            <a:r>
-              <a:rPr lang="en-US" dirty="0"/>
-              <a:t>.</a:t>
+              <a:t>And therefore, make money.</a:t>
             </a:r>
           </a:p>
         </p:txBody>
